--- a/Análisis Compra Ágil y Proveedores Locales.pptx
+++ b/Análisis Compra Ágil y Proveedores Locales.pptx
@@ -127,158 +127,8 @@
 </p:presentation>
 </file>
 
-<file path=ppt/revisionInfo.xml><?xml version="1.0" encoding="utf-8"?>
-<p1510:revInfo xmlns:a="http://schemas.openxmlformats.org/drawingml/2006/main" xmlns:r="http://schemas.openxmlformats.org/officeDocument/2006/relationships" xmlns:p1510="http://schemas.microsoft.com/office/powerpoint/2015/10/main">
-  <p1510:revLst>
-    <p1510:client id="{6B0B2157-02C4-4F9C-994A-5E7F8FAE945A}" v="1948" dt="2023-12-06T18:19:32.834"/>
-    <p1510:client id="{CF044AC9-E9CD-26EE-C6CC-604BEE2B2246}" v="72" dt="2023-12-06T17:28:40.973"/>
-    <p1510:client id="{E60C3C85-BE4F-41A3-9221-A7BD61C84B1E}" v="1087" dt="2023-12-06T18:31:28.033"/>
-  </p1510:revLst>
-</p1510:revInfo>
-</file>
-
 <file path=ppt/changesInfos/changesInfo1.xml><?xml version="1.0" encoding="utf-8"?>
 <pc:chgInfo xmlns:a="http://schemas.openxmlformats.org/drawingml/2006/main" xmlns:r="http://schemas.openxmlformats.org/officeDocument/2006/relationships" xmlns:ac="http://schemas.microsoft.com/office/drawing/2013/main/command" xmlns:pc="http://schemas.microsoft.com/office/powerpoint/2013/main/command">
-  <pc:docChgLst>
-    <pc:chgData name="Javier Guajardo" userId="S::javier.guajardo@chilecompra.cl::11332984-b2f3-4e63-9b03-b25fec21b519" providerId="AD" clId="Web-{CF044AC9-E9CD-26EE-C6CC-604BEE2B2246}"/>
-    <pc:docChg chg="modSld">
-      <pc:chgData name="Javier Guajardo" userId="S::javier.guajardo@chilecompra.cl::11332984-b2f3-4e63-9b03-b25fec21b519" providerId="AD" clId="Web-{CF044AC9-E9CD-26EE-C6CC-604BEE2B2246}" dt="2023-12-06T17:29:23.896" v="72" actId="1076"/>
-      <pc:docMkLst>
-        <pc:docMk/>
-      </pc:docMkLst>
-      <pc:sldChg chg="delSp modSp">
-        <pc:chgData name="Javier Guajardo" userId="S::javier.guajardo@chilecompra.cl::11332984-b2f3-4e63-9b03-b25fec21b519" providerId="AD" clId="Web-{CF044AC9-E9CD-26EE-C6CC-604BEE2B2246}" dt="2023-12-06T17:21:19.181" v="31" actId="20577"/>
-        <pc:sldMkLst>
-          <pc:docMk/>
-          <pc:sldMk cId="428180658" sldId="256"/>
-        </pc:sldMkLst>
-        <pc:spChg chg="mod">
-          <ac:chgData name="Javier Guajardo" userId="S::javier.guajardo@chilecompra.cl::11332984-b2f3-4e63-9b03-b25fec21b519" providerId="AD" clId="Web-{CF044AC9-E9CD-26EE-C6CC-604BEE2B2246}" dt="2023-12-06T17:21:19.181" v="31" actId="20577"/>
-          <ac:spMkLst>
-            <pc:docMk/>
-            <pc:sldMk cId="428180658" sldId="256"/>
-            <ac:spMk id="2" creationId="{162B072C-5FAF-D0FF-4F3B-EAC3FA54CCAE}"/>
-          </ac:spMkLst>
-        </pc:spChg>
-        <pc:spChg chg="del">
-          <ac:chgData name="Javier Guajardo" userId="S::javier.guajardo@chilecompra.cl::11332984-b2f3-4e63-9b03-b25fec21b519" providerId="AD" clId="Web-{CF044AC9-E9CD-26EE-C6CC-604BEE2B2246}" dt="2023-12-06T17:16:47.751" v="3"/>
-          <ac:spMkLst>
-            <pc:docMk/>
-            <pc:sldMk cId="428180658" sldId="256"/>
-            <ac:spMk id="3" creationId="{C8A002DF-506E-1088-00D0-15BAD0192054}"/>
-          </ac:spMkLst>
-        </pc:spChg>
-      </pc:sldChg>
-      <pc:sldChg chg="delSp modSp">
-        <pc:chgData name="Javier Guajardo" userId="S::javier.guajardo@chilecompra.cl::11332984-b2f3-4e63-9b03-b25fec21b519" providerId="AD" clId="Web-{CF044AC9-E9CD-26EE-C6CC-604BEE2B2246}" dt="2023-12-06T17:29:23.896" v="72" actId="1076"/>
-        <pc:sldMkLst>
-          <pc:docMk/>
-          <pc:sldMk cId="4044745129" sldId="259"/>
-        </pc:sldMkLst>
-        <pc:spChg chg="mod">
-          <ac:chgData name="Javier Guajardo" userId="S::javier.guajardo@chilecompra.cl::11332984-b2f3-4e63-9b03-b25fec21b519" providerId="AD" clId="Web-{CF044AC9-E9CD-26EE-C6CC-604BEE2B2246}" dt="2023-12-06T17:28:06.691" v="64"/>
-          <ac:spMkLst>
-            <pc:docMk/>
-            <pc:sldMk cId="4044745129" sldId="259"/>
-            <ac:spMk id="2" creationId="{6BEAE1BA-DEB6-B95B-C663-D25FAB8244B9}"/>
-          </ac:spMkLst>
-        </pc:spChg>
-        <pc:spChg chg="del">
-          <ac:chgData name="Javier Guajardo" userId="S::javier.guajardo@chilecompra.cl::11332984-b2f3-4e63-9b03-b25fec21b519" providerId="AD" clId="Web-{CF044AC9-E9CD-26EE-C6CC-604BEE2B2246}" dt="2023-12-06T17:24:39.030" v="45"/>
-          <ac:spMkLst>
-            <pc:docMk/>
-            <pc:sldMk cId="4044745129" sldId="259"/>
-            <ac:spMk id="6" creationId="{F910B975-D5DF-C5AF-ECCC-AA6AAF0A4AC0}"/>
-          </ac:spMkLst>
-        </pc:spChg>
-        <pc:spChg chg="mod">
-          <ac:chgData name="Javier Guajardo" userId="S::javier.guajardo@chilecompra.cl::11332984-b2f3-4e63-9b03-b25fec21b519" providerId="AD" clId="Web-{CF044AC9-E9CD-26EE-C6CC-604BEE2B2246}" dt="2023-12-06T17:28:40.973" v="69" actId="14100"/>
-          <ac:spMkLst>
-            <pc:docMk/>
-            <pc:sldMk cId="4044745129" sldId="259"/>
-            <ac:spMk id="8" creationId="{8BF4EA16-539C-D6F6-2D3D-4BA937AC5CC4}"/>
-          </ac:spMkLst>
-        </pc:spChg>
-        <pc:graphicFrameChg chg="mod">
-          <ac:chgData name="Javier Guajardo" userId="S::javier.guajardo@chilecompra.cl::11332984-b2f3-4e63-9b03-b25fec21b519" providerId="AD" clId="Web-{CF044AC9-E9CD-26EE-C6CC-604BEE2B2246}" dt="2023-12-06T17:29:23.896" v="72" actId="1076"/>
-          <ac:graphicFrameMkLst>
-            <pc:docMk/>
-            <pc:sldMk cId="4044745129" sldId="259"/>
-            <ac:graphicFrameMk id="7" creationId="{2D816011-F1AD-8212-8887-355FF4C02E9F}"/>
-          </ac:graphicFrameMkLst>
-        </pc:graphicFrameChg>
-      </pc:sldChg>
-      <pc:sldChg chg="addSp delSp modSp">
-        <pc:chgData name="Javier Guajardo" userId="S::javier.guajardo@chilecompra.cl::11332984-b2f3-4e63-9b03-b25fec21b519" providerId="AD" clId="Web-{CF044AC9-E9CD-26EE-C6CC-604BEE2B2246}" dt="2023-12-06T17:26:06.469" v="61" actId="20577"/>
-        <pc:sldMkLst>
-          <pc:docMk/>
-          <pc:sldMk cId="2347304763" sldId="268"/>
-        </pc:sldMkLst>
-        <pc:spChg chg="del">
-          <ac:chgData name="Javier Guajardo" userId="S::javier.guajardo@chilecompra.cl::11332984-b2f3-4e63-9b03-b25fec21b519" providerId="AD" clId="Web-{CF044AC9-E9CD-26EE-C6CC-604BEE2B2246}" dt="2023-12-06T17:19:43.709" v="8"/>
-          <ac:spMkLst>
-            <pc:docMk/>
-            <pc:sldMk cId="2347304763" sldId="268"/>
-            <ac:spMk id="2" creationId="{21C13E0E-2042-7AC1-98E8-26DC44116F58}"/>
-          </ac:spMkLst>
-        </pc:spChg>
-        <pc:spChg chg="mod">
-          <ac:chgData name="Javier Guajardo" userId="S::javier.guajardo@chilecompra.cl::11332984-b2f3-4e63-9b03-b25fec21b519" providerId="AD" clId="Web-{CF044AC9-E9CD-26EE-C6CC-604BEE2B2246}" dt="2023-12-06T17:26:06.469" v="61" actId="20577"/>
-          <ac:spMkLst>
-            <pc:docMk/>
-            <pc:sldMk cId="2347304763" sldId="268"/>
-            <ac:spMk id="3" creationId="{FA5C3EF9-B79B-CB0D-D73D-03E690E16CD2}"/>
-          </ac:spMkLst>
-        </pc:spChg>
-        <pc:spChg chg="add del mod">
-          <ac:chgData name="Javier Guajardo" userId="S::javier.guajardo@chilecompra.cl::11332984-b2f3-4e63-9b03-b25fec21b519" providerId="AD" clId="Web-{CF044AC9-E9CD-26EE-C6CC-604BEE2B2246}" dt="2023-12-06T17:19:47.616" v="9"/>
-          <ac:spMkLst>
-            <pc:docMk/>
-            <pc:sldMk cId="2347304763" sldId="268"/>
-            <ac:spMk id="5" creationId="{70214855-4E4B-BFEC-D635-6FD41AB36E47}"/>
-          </ac:spMkLst>
-        </pc:spChg>
-      </pc:sldChg>
-      <pc:sldChg chg="delSp">
-        <pc:chgData name="Javier Guajardo" userId="S::javier.guajardo@chilecompra.cl::11332984-b2f3-4e63-9b03-b25fec21b519" providerId="AD" clId="Web-{CF044AC9-E9CD-26EE-C6CC-604BEE2B2246}" dt="2023-12-06T17:16:05.516" v="0"/>
-        <pc:sldMkLst>
-          <pc:docMk/>
-          <pc:sldMk cId="2658005399" sldId="269"/>
-        </pc:sldMkLst>
-        <pc:spChg chg="del">
-          <ac:chgData name="Javier Guajardo" userId="S::javier.guajardo@chilecompra.cl::11332984-b2f3-4e63-9b03-b25fec21b519" providerId="AD" clId="Web-{CF044AC9-E9CD-26EE-C6CC-604BEE2B2246}" dt="2023-12-06T17:16:05.516" v="0"/>
-          <ac:spMkLst>
-            <pc:docMk/>
-            <pc:sldMk cId="2658005399" sldId="269"/>
-            <ac:spMk id="3" creationId="{350A364B-DE04-FA33-7AA3-5D4A2965A1CC}"/>
-          </ac:spMkLst>
-        </pc:spChg>
-      </pc:sldChg>
-      <pc:sldChg chg="delSp">
-        <pc:chgData name="Javier Guajardo" userId="S::javier.guajardo@chilecompra.cl::11332984-b2f3-4e63-9b03-b25fec21b519" providerId="AD" clId="Web-{CF044AC9-E9CD-26EE-C6CC-604BEE2B2246}" dt="2023-12-06T17:16:15.532" v="2"/>
-        <pc:sldMkLst>
-          <pc:docMk/>
-          <pc:sldMk cId="3846156748" sldId="270"/>
-        </pc:sldMkLst>
-        <pc:spChg chg="del">
-          <ac:chgData name="Javier Guajardo" userId="S::javier.guajardo@chilecompra.cl::11332984-b2f3-4e63-9b03-b25fec21b519" providerId="AD" clId="Web-{CF044AC9-E9CD-26EE-C6CC-604BEE2B2246}" dt="2023-12-06T17:16:13.516" v="1"/>
-          <ac:spMkLst>
-            <pc:docMk/>
-            <pc:sldMk cId="3846156748" sldId="270"/>
-            <ac:spMk id="2" creationId="{D65264C8-39D0-3E82-8341-EF4075660C54}"/>
-          </ac:spMkLst>
-        </pc:spChg>
-        <pc:spChg chg="del">
-          <ac:chgData name="Javier Guajardo" userId="S::javier.guajardo@chilecompra.cl::11332984-b2f3-4e63-9b03-b25fec21b519" providerId="AD" clId="Web-{CF044AC9-E9CD-26EE-C6CC-604BEE2B2246}" dt="2023-12-06T17:16:15.532" v="2"/>
-          <ac:spMkLst>
-            <pc:docMk/>
-            <pc:sldMk cId="3846156748" sldId="270"/>
-            <ac:spMk id="3" creationId="{9D7A8E8C-2857-58D3-ABB3-F16079543623}"/>
-          </ac:spMkLst>
-        </pc:spChg>
-      </pc:sldChg>
-    </pc:docChg>
-  </pc:docChgLst>
   <pc:docChgLst>
     <pc:chgData name="Javier Guajardo" userId="11332984-b2f3-4e63-9b03-b25fec21b519" providerId="ADAL" clId="{E60C3C85-BE4F-41A3-9221-A7BD61C84B1E}"/>
     <pc:docChg chg="undo custSel addSld delSld modSld sldOrd">
@@ -1086,13 +936,177 @@
       </pc:sldChg>
     </pc:docChg>
   </pc:docChgLst>
+  <pc:docChgLst>
+    <pc:chgData name="Javier Guajardo" userId="S::javier.guajardo@chilecompra.cl::11332984-b2f3-4e63-9b03-b25fec21b519" providerId="AD" clId="Web-{CF044AC9-E9CD-26EE-C6CC-604BEE2B2246}"/>
+    <pc:docChg chg="modSld">
+      <pc:chgData name="Javier Guajardo" userId="S::javier.guajardo@chilecompra.cl::11332984-b2f3-4e63-9b03-b25fec21b519" providerId="AD" clId="Web-{CF044AC9-E9CD-26EE-C6CC-604BEE2B2246}" dt="2023-12-06T17:29:23.896" v="72" actId="1076"/>
+      <pc:docMkLst>
+        <pc:docMk/>
+      </pc:docMkLst>
+      <pc:sldChg chg="delSp modSp">
+        <pc:chgData name="Javier Guajardo" userId="S::javier.guajardo@chilecompra.cl::11332984-b2f3-4e63-9b03-b25fec21b519" providerId="AD" clId="Web-{CF044AC9-E9CD-26EE-C6CC-604BEE2B2246}" dt="2023-12-06T17:21:19.181" v="31" actId="20577"/>
+        <pc:sldMkLst>
+          <pc:docMk/>
+          <pc:sldMk cId="428180658" sldId="256"/>
+        </pc:sldMkLst>
+        <pc:spChg chg="mod">
+          <ac:chgData name="Javier Guajardo" userId="S::javier.guajardo@chilecompra.cl::11332984-b2f3-4e63-9b03-b25fec21b519" providerId="AD" clId="Web-{CF044AC9-E9CD-26EE-C6CC-604BEE2B2246}" dt="2023-12-06T17:21:19.181" v="31" actId="20577"/>
+          <ac:spMkLst>
+            <pc:docMk/>
+            <pc:sldMk cId="428180658" sldId="256"/>
+            <ac:spMk id="2" creationId="{162B072C-5FAF-D0FF-4F3B-EAC3FA54CCAE}"/>
+          </ac:spMkLst>
+        </pc:spChg>
+        <pc:spChg chg="del">
+          <ac:chgData name="Javier Guajardo" userId="S::javier.guajardo@chilecompra.cl::11332984-b2f3-4e63-9b03-b25fec21b519" providerId="AD" clId="Web-{CF044AC9-E9CD-26EE-C6CC-604BEE2B2246}" dt="2023-12-06T17:16:47.751" v="3"/>
+          <ac:spMkLst>
+            <pc:docMk/>
+            <pc:sldMk cId="428180658" sldId="256"/>
+            <ac:spMk id="3" creationId="{C8A002DF-506E-1088-00D0-15BAD0192054}"/>
+          </ac:spMkLst>
+        </pc:spChg>
+      </pc:sldChg>
+      <pc:sldChg chg="delSp modSp">
+        <pc:chgData name="Javier Guajardo" userId="S::javier.guajardo@chilecompra.cl::11332984-b2f3-4e63-9b03-b25fec21b519" providerId="AD" clId="Web-{CF044AC9-E9CD-26EE-C6CC-604BEE2B2246}" dt="2023-12-06T17:29:23.896" v="72" actId="1076"/>
+        <pc:sldMkLst>
+          <pc:docMk/>
+          <pc:sldMk cId="4044745129" sldId="259"/>
+        </pc:sldMkLst>
+        <pc:spChg chg="mod">
+          <ac:chgData name="Javier Guajardo" userId="S::javier.guajardo@chilecompra.cl::11332984-b2f3-4e63-9b03-b25fec21b519" providerId="AD" clId="Web-{CF044AC9-E9CD-26EE-C6CC-604BEE2B2246}" dt="2023-12-06T17:28:06.691" v="64"/>
+          <ac:spMkLst>
+            <pc:docMk/>
+            <pc:sldMk cId="4044745129" sldId="259"/>
+            <ac:spMk id="2" creationId="{6BEAE1BA-DEB6-B95B-C663-D25FAB8244B9}"/>
+          </ac:spMkLst>
+        </pc:spChg>
+        <pc:spChg chg="del">
+          <ac:chgData name="Javier Guajardo" userId="S::javier.guajardo@chilecompra.cl::11332984-b2f3-4e63-9b03-b25fec21b519" providerId="AD" clId="Web-{CF044AC9-E9CD-26EE-C6CC-604BEE2B2246}" dt="2023-12-06T17:24:39.030" v="45"/>
+          <ac:spMkLst>
+            <pc:docMk/>
+            <pc:sldMk cId="4044745129" sldId="259"/>
+            <ac:spMk id="6" creationId="{F910B975-D5DF-C5AF-ECCC-AA6AAF0A4AC0}"/>
+          </ac:spMkLst>
+        </pc:spChg>
+        <pc:spChg chg="mod">
+          <ac:chgData name="Javier Guajardo" userId="S::javier.guajardo@chilecompra.cl::11332984-b2f3-4e63-9b03-b25fec21b519" providerId="AD" clId="Web-{CF044AC9-E9CD-26EE-C6CC-604BEE2B2246}" dt="2023-12-06T17:28:40.973" v="69" actId="14100"/>
+          <ac:spMkLst>
+            <pc:docMk/>
+            <pc:sldMk cId="4044745129" sldId="259"/>
+            <ac:spMk id="8" creationId="{8BF4EA16-539C-D6F6-2D3D-4BA937AC5CC4}"/>
+          </ac:spMkLst>
+        </pc:spChg>
+        <pc:graphicFrameChg chg="mod">
+          <ac:chgData name="Javier Guajardo" userId="S::javier.guajardo@chilecompra.cl::11332984-b2f3-4e63-9b03-b25fec21b519" providerId="AD" clId="Web-{CF044AC9-E9CD-26EE-C6CC-604BEE2B2246}" dt="2023-12-06T17:29:23.896" v="72" actId="1076"/>
+          <ac:graphicFrameMkLst>
+            <pc:docMk/>
+            <pc:sldMk cId="4044745129" sldId="259"/>
+            <ac:graphicFrameMk id="7" creationId="{2D816011-F1AD-8212-8887-355FF4C02E9F}"/>
+          </ac:graphicFrameMkLst>
+        </pc:graphicFrameChg>
+      </pc:sldChg>
+      <pc:sldChg chg="addSp delSp modSp">
+        <pc:chgData name="Javier Guajardo" userId="S::javier.guajardo@chilecompra.cl::11332984-b2f3-4e63-9b03-b25fec21b519" providerId="AD" clId="Web-{CF044AC9-E9CD-26EE-C6CC-604BEE2B2246}" dt="2023-12-06T17:26:06.469" v="61" actId="20577"/>
+        <pc:sldMkLst>
+          <pc:docMk/>
+          <pc:sldMk cId="2347304763" sldId="268"/>
+        </pc:sldMkLst>
+        <pc:spChg chg="del">
+          <ac:chgData name="Javier Guajardo" userId="S::javier.guajardo@chilecompra.cl::11332984-b2f3-4e63-9b03-b25fec21b519" providerId="AD" clId="Web-{CF044AC9-E9CD-26EE-C6CC-604BEE2B2246}" dt="2023-12-06T17:19:43.709" v="8"/>
+          <ac:spMkLst>
+            <pc:docMk/>
+            <pc:sldMk cId="2347304763" sldId="268"/>
+            <ac:spMk id="2" creationId="{21C13E0E-2042-7AC1-98E8-26DC44116F58}"/>
+          </ac:spMkLst>
+        </pc:spChg>
+        <pc:spChg chg="mod">
+          <ac:chgData name="Javier Guajardo" userId="S::javier.guajardo@chilecompra.cl::11332984-b2f3-4e63-9b03-b25fec21b519" providerId="AD" clId="Web-{CF044AC9-E9CD-26EE-C6CC-604BEE2B2246}" dt="2023-12-06T17:26:06.469" v="61" actId="20577"/>
+          <ac:spMkLst>
+            <pc:docMk/>
+            <pc:sldMk cId="2347304763" sldId="268"/>
+            <ac:spMk id="3" creationId="{FA5C3EF9-B79B-CB0D-D73D-03E690E16CD2}"/>
+          </ac:spMkLst>
+        </pc:spChg>
+        <pc:spChg chg="add del mod">
+          <ac:chgData name="Javier Guajardo" userId="S::javier.guajardo@chilecompra.cl::11332984-b2f3-4e63-9b03-b25fec21b519" providerId="AD" clId="Web-{CF044AC9-E9CD-26EE-C6CC-604BEE2B2246}" dt="2023-12-06T17:19:47.616" v="9"/>
+          <ac:spMkLst>
+            <pc:docMk/>
+            <pc:sldMk cId="2347304763" sldId="268"/>
+            <ac:spMk id="5" creationId="{70214855-4E4B-BFEC-D635-6FD41AB36E47}"/>
+          </ac:spMkLst>
+        </pc:spChg>
+      </pc:sldChg>
+      <pc:sldChg chg="delSp">
+        <pc:chgData name="Javier Guajardo" userId="S::javier.guajardo@chilecompra.cl::11332984-b2f3-4e63-9b03-b25fec21b519" providerId="AD" clId="Web-{CF044AC9-E9CD-26EE-C6CC-604BEE2B2246}" dt="2023-12-06T17:16:05.516" v="0"/>
+        <pc:sldMkLst>
+          <pc:docMk/>
+          <pc:sldMk cId="2658005399" sldId="269"/>
+        </pc:sldMkLst>
+        <pc:spChg chg="del">
+          <ac:chgData name="Javier Guajardo" userId="S::javier.guajardo@chilecompra.cl::11332984-b2f3-4e63-9b03-b25fec21b519" providerId="AD" clId="Web-{CF044AC9-E9CD-26EE-C6CC-604BEE2B2246}" dt="2023-12-06T17:16:05.516" v="0"/>
+          <ac:spMkLst>
+            <pc:docMk/>
+            <pc:sldMk cId="2658005399" sldId="269"/>
+            <ac:spMk id="3" creationId="{350A364B-DE04-FA33-7AA3-5D4A2965A1CC}"/>
+          </ac:spMkLst>
+        </pc:spChg>
+      </pc:sldChg>
+      <pc:sldChg chg="delSp">
+        <pc:chgData name="Javier Guajardo" userId="S::javier.guajardo@chilecompra.cl::11332984-b2f3-4e63-9b03-b25fec21b519" providerId="AD" clId="Web-{CF044AC9-E9CD-26EE-C6CC-604BEE2B2246}" dt="2023-12-06T17:16:15.532" v="2"/>
+        <pc:sldMkLst>
+          <pc:docMk/>
+          <pc:sldMk cId="3846156748" sldId="270"/>
+        </pc:sldMkLst>
+        <pc:spChg chg="del">
+          <ac:chgData name="Javier Guajardo" userId="S::javier.guajardo@chilecompra.cl::11332984-b2f3-4e63-9b03-b25fec21b519" providerId="AD" clId="Web-{CF044AC9-E9CD-26EE-C6CC-604BEE2B2246}" dt="2023-12-06T17:16:13.516" v="1"/>
+          <ac:spMkLst>
+            <pc:docMk/>
+            <pc:sldMk cId="3846156748" sldId="270"/>
+            <ac:spMk id="2" creationId="{D65264C8-39D0-3E82-8341-EF4075660C54}"/>
+          </ac:spMkLst>
+        </pc:spChg>
+        <pc:spChg chg="del">
+          <ac:chgData name="Javier Guajardo" userId="S::javier.guajardo@chilecompra.cl::11332984-b2f3-4e63-9b03-b25fec21b519" providerId="AD" clId="Web-{CF044AC9-E9CD-26EE-C6CC-604BEE2B2246}" dt="2023-12-06T17:16:15.532" v="2"/>
+          <ac:spMkLst>
+            <pc:docMk/>
+            <pc:sldMk cId="3846156748" sldId="270"/>
+            <ac:spMk id="3" creationId="{9D7A8E8C-2857-58D3-ABB3-F16079543623}"/>
+          </ac:spMkLst>
+        </pc:spChg>
+      </pc:sldChg>
+    </pc:docChg>
+  </pc:docChgLst>
+  <pc:docChgLst>
+    <pc:chgData name="Hector Garrido" userId="9bef6f12-9604-4e21-ac06-471dffafe599" providerId="ADAL" clId="{3B314DF9-5530-43BC-92D9-54F64C6ED6EA}"/>
+    <pc:docChg chg="custSel modSld">
+      <pc:chgData name="Hector Garrido" userId="9bef6f12-9604-4e21-ac06-471dffafe599" providerId="ADAL" clId="{3B314DF9-5530-43BC-92D9-54F64C6ED6EA}" dt="2023-12-21T19:12:15.364" v="9" actId="207"/>
+      <pc:docMkLst>
+        <pc:docMk/>
+      </pc:docMkLst>
+      <pc:sldChg chg="modSp mod">
+        <pc:chgData name="Hector Garrido" userId="9bef6f12-9604-4e21-ac06-471dffafe599" providerId="ADAL" clId="{3B314DF9-5530-43BC-92D9-54F64C6ED6EA}" dt="2023-12-21T19:12:15.364" v="9" actId="207"/>
+        <pc:sldMkLst>
+          <pc:docMk/>
+          <pc:sldMk cId="2347304763" sldId="268"/>
+        </pc:sldMkLst>
+        <pc:spChg chg="mod">
+          <ac:chgData name="Hector Garrido" userId="9bef6f12-9604-4e21-ac06-471dffafe599" providerId="ADAL" clId="{3B314DF9-5530-43BC-92D9-54F64C6ED6EA}" dt="2023-12-21T19:12:15.364" v="9" actId="207"/>
+          <ac:spMkLst>
+            <pc:docMk/>
+            <pc:sldMk cId="2347304763" sldId="268"/>
+            <ac:spMk id="3" creationId="{FA5C3EF9-B79B-CB0D-D73D-03E690E16CD2}"/>
+          </ac:spMkLst>
+        </pc:spChg>
+      </pc:sldChg>
+    </pc:docChg>
+  </pc:docChgLst>
 </pc:chgInfo>
 </file>
 
 <file path=ppt/charts/chart1.xml><?xml version="1.0" encoding="utf-8"?>
 <c:chartSpace xmlns:c="http://schemas.openxmlformats.org/drawingml/2006/chart" xmlns:a="http://schemas.openxmlformats.org/drawingml/2006/main" xmlns:r="http://schemas.openxmlformats.org/officeDocument/2006/relationships" xmlns:c16r2="http://schemas.microsoft.com/office/drawing/2015/06/chart">
   <c:date1904 val="0"/>
-  <c:lang val="en-US"/>
+  <c:lang val="es-ES"/>
   <c:roundedCorners val="0"/>
   <mc:AlternateContent xmlns:mc="http://schemas.openxmlformats.org/markup-compatibility/2006">
     <mc:Choice xmlns:c14="http://schemas.microsoft.com/office/drawing/2007/8/2/chart" Requires="c14">
@@ -1166,7 +1180,7 @@
               <a:cs typeface="+mn-cs"/>
             </a:defRPr>
           </a:pPr>
-          <a:endParaRPr lang="en-US"/>
+          <a:endParaRPr lang="es-CL"/>
         </a:p>
       </c:txPr>
     </c:title>
@@ -1211,7 +1225,7 @@
                   <a:cs typeface="+mn-cs"/>
                 </a:defRPr>
               </a:pPr>
-              <a:endParaRPr lang="en-US"/>
+              <a:endParaRPr lang="es-CL"/>
             </a:p>
           </c:txPr>
           <c:showLegendKey val="0"/>
@@ -1267,7 +1281,7 @@
                   <a:cs typeface="+mn-cs"/>
                 </a:defRPr>
               </a:pPr>
-              <a:endParaRPr lang="en-US"/>
+              <a:endParaRPr lang="es-CL"/>
             </a:p>
           </c:txPr>
           <c:showLegendKey val="0"/>
@@ -1332,7 +1346,7 @@
                   <a:cs typeface="+mn-cs"/>
                 </a:defRPr>
               </a:pPr>
-              <a:endParaRPr lang="en-US"/>
+              <a:endParaRPr lang="es-CL"/>
             </a:p>
           </c:txPr>
           <c:showLegendKey val="0"/>
@@ -1412,7 +1426,7 @@
                   <a:cs typeface="+mn-cs"/>
                 </a:defRPr>
               </a:pPr>
-              <a:endParaRPr lang="en-US"/>
+              <a:endParaRPr lang="es-CL"/>
             </a:p>
           </c:txPr>
           <c:showLegendKey val="0"/>
@@ -1489,7 +1503,7 @@
                   <a:cs typeface="+mn-cs"/>
                 </a:defRPr>
               </a:pPr>
-              <a:endParaRPr lang="en-US"/>
+              <a:endParaRPr lang="es-CL"/>
             </a:p>
           </c:txPr>
           <c:showLegendKey val="0"/>
@@ -1569,7 +1583,7 @@
                   <a:cs typeface="+mn-cs"/>
                 </a:defRPr>
               </a:pPr>
-              <a:endParaRPr lang="en-US"/>
+              <a:endParaRPr lang="es-CL"/>
             </a:p>
           </c:txPr>
           <c:showLegendKey val="0"/>
@@ -1690,7 +1704,7 @@
                     <a:cs typeface="+mn-cs"/>
                   </a:defRPr>
                 </a:pPr>
-                <a:endParaRPr lang="en-US"/>
+                <a:endParaRPr lang="es-CL"/>
               </a:p>
             </c:txPr>
             <c:showLegendKey val="0"/>
@@ -1888,7 +1902,7 @@
               <a:cs typeface="+mn-cs"/>
             </a:defRPr>
           </a:pPr>
-          <a:endParaRPr lang="en-US"/>
+          <a:endParaRPr lang="es-CL"/>
         </a:p>
       </c:txPr>
     </c:legend>
@@ -1917,7 +1931,7 @@
       <a:pPr>
         <a:defRPr/>
       </a:pPr>
-      <a:endParaRPr lang="en-US"/>
+      <a:endParaRPr lang="es-CL"/>
     </a:p>
   </c:txPr>
   <c:externalData r:id="rId3">
@@ -1945,7 +1959,7 @@
 <file path=ppt/charts/chart10.xml><?xml version="1.0" encoding="utf-8"?>
 <c:chartSpace xmlns:c="http://schemas.openxmlformats.org/drawingml/2006/chart" xmlns:a="http://schemas.openxmlformats.org/drawingml/2006/main" xmlns:r="http://schemas.openxmlformats.org/officeDocument/2006/relationships" xmlns:c16r2="http://schemas.microsoft.com/office/drawing/2015/06/chart">
   <c:date1904 val="0"/>
-  <c:lang val="en-US"/>
+  <c:lang val="es-ES"/>
   <c:roundedCorners val="0"/>
   <mc:AlternateContent xmlns:mc="http://schemas.openxmlformats.org/markup-compatibility/2006">
     <mc:Choice xmlns:c14="http://schemas.microsoft.com/office/drawing/2007/8/2/chart" Requires="c14">
@@ -2019,7 +2033,7 @@
               <a:cs typeface="+mn-cs"/>
             </a:defRPr>
           </a:pPr>
-          <a:endParaRPr lang="en-US"/>
+          <a:endParaRPr lang="es-CL"/>
         </a:p>
       </c:txPr>
     </c:title>
@@ -2067,7 +2081,7 @@
                   <a:cs typeface="+mn-cs"/>
                 </a:defRPr>
               </a:pPr>
-              <a:endParaRPr lang="en-US"/>
+              <a:endParaRPr lang="es-CL"/>
             </a:p>
           </c:txPr>
           <c:showLegendKey val="0"/>
@@ -2126,7 +2140,7 @@
                   <a:cs typeface="+mn-cs"/>
                 </a:defRPr>
               </a:pPr>
-              <a:endParaRPr lang="en-US"/>
+              <a:endParaRPr lang="es-CL"/>
             </a:p>
           </c:txPr>
           <c:showLegendKey val="0"/>
@@ -2182,7 +2196,7 @@
                   <a:cs typeface="+mn-cs"/>
                 </a:defRPr>
               </a:pPr>
-              <a:endParaRPr lang="en-US"/>
+              <a:endParaRPr lang="es-CL"/>
             </a:p>
           </c:txPr>
           <c:showLegendKey val="0"/>
@@ -2241,7 +2255,7 @@
                   <a:cs typeface="+mn-cs"/>
                 </a:defRPr>
               </a:pPr>
-              <a:endParaRPr lang="en-US"/>
+              <a:endParaRPr lang="es-CL"/>
             </a:p>
           </c:txPr>
           <c:showLegendKey val="0"/>
@@ -2297,7 +2311,7 @@
                   <a:cs typeface="+mn-cs"/>
                 </a:defRPr>
               </a:pPr>
-              <a:endParaRPr lang="en-US"/>
+              <a:endParaRPr lang="es-CL"/>
             </a:p>
           </c:txPr>
           <c:showLegendKey val="0"/>
@@ -2356,7 +2370,7 @@
                   <a:cs typeface="+mn-cs"/>
                 </a:defRPr>
               </a:pPr>
-              <a:endParaRPr lang="en-US"/>
+              <a:endParaRPr lang="es-CL"/>
             </a:p>
           </c:txPr>
           <c:showLegendKey val="0"/>
@@ -2428,7 +2442,7 @@
                     <a:cs typeface="+mn-cs"/>
                   </a:defRPr>
                 </a:pPr>
-                <a:endParaRPr lang="en-US"/>
+                <a:endParaRPr lang="es-CL"/>
               </a:p>
             </c:txPr>
             <c:showLegendKey val="0"/>
@@ -2637,7 +2651,7 @@
                 <a:cs typeface="+mn-cs"/>
               </a:defRPr>
             </a:pPr>
-            <a:endParaRPr lang="en-US"/>
+            <a:endParaRPr lang="es-CL"/>
           </a:p>
         </c:txPr>
         <c:crossAx val="930747280"/>
@@ -2696,7 +2710,7 @@
                 <a:cs typeface="+mn-cs"/>
               </a:defRPr>
             </a:pPr>
-            <a:endParaRPr lang="en-US"/>
+            <a:endParaRPr lang="es-CL"/>
           </a:p>
         </c:txPr>
         <c:crossAx val="817812768"/>
@@ -2738,7 +2752,7 @@
                 <a:cs typeface="+mn-cs"/>
               </a:defRPr>
             </a:pPr>
-            <a:endParaRPr lang="en-US"/>
+            <a:endParaRPr lang="es-CL"/>
           </a:p>
         </c:txPr>
         <c:crossAx val="817809888"/>
@@ -2798,7 +2812,7 @@
               <a:cs typeface="+mn-cs"/>
             </a:defRPr>
           </a:pPr>
-          <a:endParaRPr lang="en-US"/>
+          <a:endParaRPr lang="es-CL"/>
         </a:p>
       </c:txPr>
     </c:legend>
@@ -2827,7 +2841,7 @@
       <a:pPr>
         <a:defRPr/>
       </a:pPr>
-      <a:endParaRPr lang="en-US"/>
+      <a:endParaRPr lang="es-CL"/>
     </a:p>
   </c:txPr>
   <c:externalData r:id="rId3">
@@ -2855,7 +2869,7 @@
 <file path=ppt/charts/chart11.xml><?xml version="1.0" encoding="utf-8"?>
 <c:chartSpace xmlns:c="http://schemas.openxmlformats.org/drawingml/2006/chart" xmlns:a="http://schemas.openxmlformats.org/drawingml/2006/main" xmlns:r="http://schemas.openxmlformats.org/officeDocument/2006/relationships" xmlns:c16r2="http://schemas.microsoft.com/office/drawing/2015/06/chart">
   <c:date1904 val="0"/>
-  <c:lang val="en-US"/>
+  <c:lang val="es-ES"/>
   <c:roundedCorners val="0"/>
   <mc:AlternateContent xmlns:mc="http://schemas.openxmlformats.org/markup-compatibility/2006">
     <mc:Choice xmlns:c14="http://schemas.microsoft.com/office/drawing/2007/8/2/chart" Requires="c14">
@@ -2926,7 +2940,7 @@
               <a:cs typeface="+mn-cs"/>
             </a:defRPr>
           </a:pPr>
-          <a:endParaRPr lang="en-US"/>
+          <a:endParaRPr lang="es-CL"/>
         </a:p>
       </c:txPr>
     </c:title>
@@ -2974,7 +2988,7 @@
                   <a:cs typeface="+mn-cs"/>
                 </a:defRPr>
               </a:pPr>
-              <a:endParaRPr lang="en-US"/>
+              <a:endParaRPr lang="es-CL"/>
             </a:p>
           </c:txPr>
           <c:showLegendKey val="0"/>
@@ -3033,7 +3047,7 @@
                   <a:cs typeface="+mn-cs"/>
                 </a:defRPr>
               </a:pPr>
-              <a:endParaRPr lang="en-US"/>
+              <a:endParaRPr lang="es-CL"/>
             </a:p>
           </c:txPr>
           <c:showLegendKey val="0"/>
@@ -3089,7 +3103,7 @@
                   <a:cs typeface="+mn-cs"/>
                 </a:defRPr>
               </a:pPr>
-              <a:endParaRPr lang="en-US"/>
+              <a:endParaRPr lang="es-CL"/>
             </a:p>
           </c:txPr>
           <c:showLegendKey val="0"/>
@@ -3148,7 +3162,7 @@
                   <a:cs typeface="+mn-cs"/>
                 </a:defRPr>
               </a:pPr>
-              <a:endParaRPr lang="en-US"/>
+              <a:endParaRPr lang="es-CL"/>
             </a:p>
           </c:txPr>
           <c:showLegendKey val="0"/>
@@ -3204,7 +3218,7 @@
                   <a:cs typeface="+mn-cs"/>
                 </a:defRPr>
               </a:pPr>
-              <a:endParaRPr lang="en-US"/>
+              <a:endParaRPr lang="es-CL"/>
             </a:p>
           </c:txPr>
           <c:showLegendKey val="0"/>
@@ -3263,7 +3277,7 @@
                   <a:cs typeface="+mn-cs"/>
                 </a:defRPr>
               </a:pPr>
-              <a:endParaRPr lang="en-US"/>
+              <a:endParaRPr lang="es-CL"/>
             </a:p>
           </c:txPr>
           <c:showLegendKey val="0"/>
@@ -3335,7 +3349,7 @@
                     <a:cs typeface="+mn-cs"/>
                   </a:defRPr>
                 </a:pPr>
-                <a:endParaRPr lang="en-US"/>
+                <a:endParaRPr lang="es-CL"/>
               </a:p>
             </c:txPr>
             <c:showLegendKey val="0"/>
@@ -3544,7 +3558,7 @@
                 <a:cs typeface="+mn-cs"/>
               </a:defRPr>
             </a:pPr>
-            <a:endParaRPr lang="en-US"/>
+            <a:endParaRPr lang="es-CL"/>
           </a:p>
         </c:txPr>
         <c:crossAx val="930747280"/>
@@ -3603,7 +3617,7 @@
                 <a:cs typeface="+mn-cs"/>
               </a:defRPr>
             </a:pPr>
-            <a:endParaRPr lang="en-US"/>
+            <a:endParaRPr lang="es-CL"/>
           </a:p>
         </c:txPr>
         <c:crossAx val="817812768"/>
@@ -3645,7 +3659,7 @@
                 <a:cs typeface="+mn-cs"/>
               </a:defRPr>
             </a:pPr>
-            <a:endParaRPr lang="en-US"/>
+            <a:endParaRPr lang="es-CL"/>
           </a:p>
         </c:txPr>
         <c:crossAx val="817809888"/>
@@ -3705,7 +3719,7 @@
               <a:cs typeface="+mn-cs"/>
             </a:defRPr>
           </a:pPr>
-          <a:endParaRPr lang="en-US"/>
+          <a:endParaRPr lang="es-CL"/>
         </a:p>
       </c:txPr>
     </c:legend>
@@ -3734,7 +3748,7 @@
       <a:pPr>
         <a:defRPr/>
       </a:pPr>
-      <a:endParaRPr lang="en-US"/>
+      <a:endParaRPr lang="es-CL"/>
     </a:p>
   </c:txPr>
   <c:externalData r:id="rId3">
@@ -3762,7 +3776,7 @@
 <file path=ppt/charts/chart2.xml><?xml version="1.0" encoding="utf-8"?>
 <c:chartSpace xmlns:c="http://schemas.openxmlformats.org/drawingml/2006/chart" xmlns:a="http://schemas.openxmlformats.org/drawingml/2006/main" xmlns:r="http://schemas.openxmlformats.org/officeDocument/2006/relationships" xmlns:c16r2="http://schemas.microsoft.com/office/drawing/2015/06/chart">
   <c:date1904 val="0"/>
-  <c:lang val="en-US"/>
+  <c:lang val="es-ES"/>
   <c:roundedCorners val="0"/>
   <mc:AlternateContent xmlns:mc="http://schemas.openxmlformats.org/markup-compatibility/2006">
     <mc:Choice xmlns:c14="http://schemas.microsoft.com/office/drawing/2007/8/2/chart" Requires="c14">
@@ -3836,7 +3850,7 @@
               <a:cs typeface="+mn-cs"/>
             </a:defRPr>
           </a:pPr>
-          <a:endParaRPr lang="en-US"/>
+          <a:endParaRPr lang="es-CL"/>
         </a:p>
       </c:txPr>
     </c:title>
@@ -3884,7 +3898,7 @@
                   <a:cs typeface="+mn-cs"/>
                 </a:defRPr>
               </a:pPr>
-              <a:endParaRPr lang="en-US"/>
+              <a:endParaRPr lang="es-CL"/>
             </a:p>
           </c:txPr>
           <c:showLegendKey val="0"/>
@@ -3940,7 +3954,7 @@
                   <a:cs typeface="+mn-cs"/>
                 </a:defRPr>
               </a:pPr>
-              <a:endParaRPr lang="en-US"/>
+              <a:endParaRPr lang="es-CL"/>
             </a:p>
           </c:txPr>
           <c:showLegendKey val="0"/>
@@ -3996,7 +4010,7 @@
                   <a:cs typeface="+mn-cs"/>
                 </a:defRPr>
               </a:pPr>
-              <a:endParaRPr lang="en-US"/>
+              <a:endParaRPr lang="es-CL"/>
             </a:p>
           </c:txPr>
           <c:showLegendKey val="0"/>
@@ -4052,7 +4066,7 @@
                   <a:cs typeface="+mn-cs"/>
                 </a:defRPr>
               </a:pPr>
-              <a:endParaRPr lang="en-US"/>
+              <a:endParaRPr lang="es-CL"/>
             </a:p>
           </c:txPr>
           <c:showLegendKey val="0"/>
@@ -4108,7 +4122,7 @@
                   <a:cs typeface="+mn-cs"/>
                 </a:defRPr>
               </a:pPr>
-              <a:endParaRPr lang="en-US"/>
+              <a:endParaRPr lang="es-CL"/>
             </a:p>
           </c:txPr>
           <c:showLegendKey val="0"/>
@@ -4164,7 +4178,7 @@
                   <a:cs typeface="+mn-cs"/>
                 </a:defRPr>
               </a:pPr>
-              <a:endParaRPr lang="en-US"/>
+              <a:endParaRPr lang="es-CL"/>
             </a:p>
           </c:txPr>
           <c:showLegendKey val="0"/>
@@ -4220,7 +4234,7 @@
                   <a:cs typeface="+mn-cs"/>
                 </a:defRPr>
               </a:pPr>
-              <a:endParaRPr lang="en-US"/>
+              <a:endParaRPr lang="es-CL"/>
             </a:p>
           </c:txPr>
           <c:showLegendKey val="0"/>
@@ -4581,7 +4595,7 @@
                 <a:cs typeface="+mn-cs"/>
               </a:defRPr>
             </a:pPr>
-            <a:endParaRPr lang="en-US"/>
+            <a:endParaRPr lang="es-CL"/>
           </a:p>
         </c:txPr>
         <c:crossAx val="546210144"/>
@@ -4640,7 +4654,7 @@
                 <a:cs typeface="+mn-cs"/>
               </a:defRPr>
             </a:pPr>
-            <a:endParaRPr lang="en-US"/>
+            <a:endParaRPr lang="es-CL"/>
           </a:p>
         </c:txPr>
         <c:crossAx val="924277840"/>
@@ -4681,7 +4695,7 @@
                     <a:cs typeface="+mn-cs"/>
                   </a:defRPr>
                 </a:pPr>
-                <a:endParaRPr lang="en-US"/>
+                <a:endParaRPr lang="es-CL"/>
               </a:p>
             </c:txPr>
           </c:dispUnitsLbl>
@@ -4722,7 +4736,7 @@
               <a:cs typeface="+mn-cs"/>
             </a:defRPr>
           </a:pPr>
-          <a:endParaRPr lang="en-US"/>
+          <a:endParaRPr lang="es-CL"/>
         </a:p>
       </c:txPr>
     </c:legend>
@@ -4751,7 +4765,7 @@
       <a:pPr>
         <a:defRPr/>
       </a:pPr>
-      <a:endParaRPr lang="en-US"/>
+      <a:endParaRPr lang="es-CL"/>
     </a:p>
   </c:txPr>
   <c:externalData r:id="rId3">
@@ -4779,7 +4793,7 @@
 <file path=ppt/charts/chart3.xml><?xml version="1.0" encoding="utf-8"?>
 <c:chartSpace xmlns:c="http://schemas.openxmlformats.org/drawingml/2006/chart" xmlns:a="http://schemas.openxmlformats.org/drawingml/2006/main" xmlns:r="http://schemas.openxmlformats.org/officeDocument/2006/relationships" xmlns:c16r2="http://schemas.microsoft.com/office/drawing/2015/06/chart">
   <c:date1904 val="0"/>
-  <c:lang val="en-US"/>
+  <c:lang val="es-ES"/>
   <c:roundedCorners val="0"/>
   <mc:AlternateContent xmlns:mc="http://schemas.openxmlformats.org/markup-compatibility/2006">
     <mc:Choice xmlns:c14="http://schemas.microsoft.com/office/drawing/2007/8/2/chart" Requires="c14">
@@ -4848,7 +4862,7 @@
                     <a:cs typeface="+mn-cs"/>
                   </a:defRPr>
                 </a:pPr>
-                <a:endParaRPr lang="en-US"/>
+                <a:endParaRPr lang="es-CL"/>
               </a:p>
             </c:txPr>
             <c:showLegendKey val="0"/>
@@ -5044,7 +5058,7 @@
                 <a:cs typeface="+mn-cs"/>
               </a:defRPr>
             </a:pPr>
-            <a:endParaRPr lang="en-US"/>
+            <a:endParaRPr lang="es-CL"/>
           </a:p>
         </c:txPr>
         <c:crossAx val="348440240"/>
@@ -5102,7 +5116,7 @@
       <a:pPr>
         <a:defRPr/>
       </a:pPr>
-      <a:endParaRPr lang="en-US"/>
+      <a:endParaRPr lang="es-CL"/>
     </a:p>
   </c:txPr>
   <c:externalData r:id="rId3">
@@ -5114,7 +5128,7 @@
 <file path=ppt/charts/chart4.xml><?xml version="1.0" encoding="utf-8"?>
 <c:chartSpace xmlns:c="http://schemas.openxmlformats.org/drawingml/2006/chart" xmlns:a="http://schemas.openxmlformats.org/drawingml/2006/main" xmlns:r="http://schemas.openxmlformats.org/officeDocument/2006/relationships" xmlns:c16r2="http://schemas.microsoft.com/office/drawing/2015/06/chart">
   <c:date1904 val="0"/>
-  <c:lang val="en-US"/>
+  <c:lang val="es-ES"/>
   <c:roundedCorners val="0"/>
   <mc:AlternateContent xmlns:mc="http://schemas.openxmlformats.org/markup-compatibility/2006">
     <mc:Choice xmlns:c14="http://schemas.microsoft.com/office/drawing/2007/8/2/chart" Requires="c14">
@@ -5173,7 +5187,7 @@
                   <a:cs typeface="+mn-cs"/>
                 </a:defRPr>
               </a:pPr>
-              <a:endParaRPr lang="en-US"/>
+              <a:endParaRPr lang="es-CL"/>
             </a:p>
           </c:txPr>
           <c:showLegendKey val="0"/>
@@ -5229,7 +5243,7 @@
                   <a:cs typeface="+mn-cs"/>
                 </a:defRPr>
               </a:pPr>
-              <a:endParaRPr lang="en-US"/>
+              <a:endParaRPr lang="es-CL"/>
             </a:p>
           </c:txPr>
           <c:showLegendKey val="0"/>
@@ -5285,7 +5299,7 @@
                   <a:cs typeface="+mn-cs"/>
                 </a:defRPr>
               </a:pPr>
-              <a:endParaRPr lang="en-US"/>
+              <a:endParaRPr lang="es-CL"/>
             </a:p>
           </c:txPr>
           <c:showLegendKey val="0"/>
@@ -5341,7 +5355,7 @@
                   <a:cs typeface="+mn-cs"/>
                 </a:defRPr>
               </a:pPr>
-              <a:endParaRPr lang="en-US"/>
+              <a:endParaRPr lang="es-CL"/>
             </a:p>
           </c:txPr>
           <c:showLegendKey val="0"/>
@@ -5397,7 +5411,7 @@
                   <a:cs typeface="+mn-cs"/>
                 </a:defRPr>
               </a:pPr>
-              <a:endParaRPr lang="en-US"/>
+              <a:endParaRPr lang="es-CL"/>
             </a:p>
           </c:txPr>
           <c:showLegendKey val="0"/>
@@ -5453,7 +5467,7 @@
                   <a:cs typeface="+mn-cs"/>
                 </a:defRPr>
               </a:pPr>
-              <a:endParaRPr lang="en-US"/>
+              <a:endParaRPr lang="es-CL"/>
             </a:p>
           </c:txPr>
           <c:showLegendKey val="0"/>
@@ -5814,7 +5828,7 @@
                 <a:cs typeface="+mn-cs"/>
               </a:defRPr>
             </a:pPr>
-            <a:endParaRPr lang="en-US"/>
+            <a:endParaRPr lang="es-CL"/>
           </a:p>
         </c:txPr>
         <c:crossAx val="628344176"/>
@@ -5873,7 +5887,7 @@
                 <a:cs typeface="+mn-cs"/>
               </a:defRPr>
             </a:pPr>
-            <a:endParaRPr lang="en-US"/>
+            <a:endParaRPr lang="es-CL"/>
           </a:p>
         </c:txPr>
         <c:crossAx val="726902592"/>
@@ -5915,7 +5929,7 @@
               <a:cs typeface="+mn-cs"/>
             </a:defRPr>
           </a:pPr>
-          <a:endParaRPr lang="en-US"/>
+          <a:endParaRPr lang="es-CL"/>
         </a:p>
       </c:txPr>
     </c:legend>
@@ -5944,7 +5958,7 @@
       <a:pPr>
         <a:defRPr/>
       </a:pPr>
-      <a:endParaRPr lang="en-US"/>
+      <a:endParaRPr lang="es-CL"/>
     </a:p>
   </c:txPr>
   <c:externalData r:id="rId3">
@@ -5972,7 +5986,7 @@
 <file path=ppt/charts/chart5.xml><?xml version="1.0" encoding="utf-8"?>
 <c:chartSpace xmlns:c="http://schemas.openxmlformats.org/drawingml/2006/chart" xmlns:a="http://schemas.openxmlformats.org/drawingml/2006/main" xmlns:r="http://schemas.openxmlformats.org/officeDocument/2006/relationships" xmlns:c16r2="http://schemas.microsoft.com/office/drawing/2015/06/chart">
   <c:date1904 val="0"/>
-  <c:lang val="en-US"/>
+  <c:lang val="es-ES"/>
   <c:roundedCorners val="0"/>
   <mc:AlternateContent xmlns:mc="http://schemas.openxmlformats.org/markup-compatibility/2006">
     <mc:Choice xmlns:c14="http://schemas.microsoft.com/office/drawing/2007/8/2/chart" Requires="c14">
@@ -6051,7 +6065,7 @@
               <a:cs typeface="+mn-cs"/>
             </a:defRPr>
           </a:pPr>
-          <a:endParaRPr lang="en-US"/>
+          <a:endParaRPr lang="es-CL"/>
         </a:p>
       </c:txPr>
     </c:title>
@@ -6099,7 +6113,7 @@
                   <a:cs typeface="+mn-cs"/>
                 </a:defRPr>
               </a:pPr>
-              <a:endParaRPr lang="en-US"/>
+              <a:endParaRPr lang="es-CL"/>
             </a:p>
           </c:txPr>
           <c:showLegendKey val="0"/>
@@ -6155,7 +6169,7 @@
                   <a:cs typeface="+mn-cs"/>
                 </a:defRPr>
               </a:pPr>
-              <a:endParaRPr lang="en-US"/>
+              <a:endParaRPr lang="es-CL"/>
             </a:p>
           </c:txPr>
           <c:showLegendKey val="0"/>
@@ -6211,7 +6225,7 @@
                   <a:cs typeface="+mn-cs"/>
                 </a:defRPr>
               </a:pPr>
-              <a:endParaRPr lang="en-US"/>
+              <a:endParaRPr lang="es-CL"/>
             </a:p>
           </c:txPr>
           <c:showLegendKey val="0"/>
@@ -6267,7 +6281,7 @@
                   <a:cs typeface="+mn-cs"/>
                 </a:defRPr>
               </a:pPr>
-              <a:endParaRPr lang="en-US"/>
+              <a:endParaRPr lang="es-CL"/>
             </a:p>
           </c:txPr>
           <c:showLegendKey val="0"/>
@@ -6323,7 +6337,7 @@
                   <a:cs typeface="+mn-cs"/>
                 </a:defRPr>
               </a:pPr>
-              <a:endParaRPr lang="en-US"/>
+              <a:endParaRPr lang="es-CL"/>
             </a:p>
           </c:txPr>
           <c:showLegendKey val="0"/>
@@ -6379,7 +6393,7 @@
                   <a:cs typeface="+mn-cs"/>
                 </a:defRPr>
               </a:pPr>
-              <a:endParaRPr lang="en-US"/>
+              <a:endParaRPr lang="es-CL"/>
             </a:p>
           </c:txPr>
           <c:showLegendKey val="0"/>
@@ -6435,7 +6449,7 @@
                   <a:cs typeface="+mn-cs"/>
                 </a:defRPr>
               </a:pPr>
-              <a:endParaRPr lang="en-US"/>
+              <a:endParaRPr lang="es-CL"/>
             </a:p>
           </c:txPr>
           <c:showLegendKey val="0"/>
@@ -6491,7 +6505,7 @@
                   <a:cs typeface="+mn-cs"/>
                 </a:defRPr>
               </a:pPr>
-              <a:endParaRPr lang="en-US"/>
+              <a:endParaRPr lang="es-CL"/>
             </a:p>
           </c:txPr>
           <c:showLegendKey val="0"/>
@@ -6547,7 +6561,7 @@
                   <a:cs typeface="+mn-cs"/>
                 </a:defRPr>
               </a:pPr>
-              <a:endParaRPr lang="en-US"/>
+              <a:endParaRPr lang="es-CL"/>
             </a:p>
           </c:txPr>
           <c:showLegendKey val="0"/>
@@ -6603,7 +6617,7 @@
                   <a:cs typeface="+mn-cs"/>
                 </a:defRPr>
               </a:pPr>
-              <a:endParaRPr lang="en-US"/>
+              <a:endParaRPr lang="es-CL"/>
             </a:p>
           </c:txPr>
           <c:showLegendKey val="0"/>
@@ -6659,7 +6673,7 @@
                   <a:cs typeface="+mn-cs"/>
                 </a:defRPr>
               </a:pPr>
-              <a:endParaRPr lang="en-US"/>
+              <a:endParaRPr lang="es-CL"/>
             </a:p>
           </c:txPr>
           <c:showLegendKey val="0"/>
@@ -6738,7 +6752,7 @@
                     <a:cs typeface="+mn-cs"/>
                   </a:defRPr>
                 </a:pPr>
-                <a:endParaRPr lang="en-US"/>
+                <a:endParaRPr lang="es-CL"/>
               </a:p>
             </c:txPr>
             <c:dLblPos val="ctr"/>
@@ -6852,7 +6866,7 @@
                     <a:cs typeface="+mn-cs"/>
                   </a:defRPr>
                 </a:pPr>
-                <a:endParaRPr lang="en-US"/>
+                <a:endParaRPr lang="es-CL"/>
               </a:p>
             </c:txPr>
             <c:dLblPos val="ctr"/>
@@ -7035,7 +7049,7 @@
                 <a:cs typeface="+mn-cs"/>
               </a:defRPr>
             </a:pPr>
-            <a:endParaRPr lang="en-US"/>
+            <a:endParaRPr lang="es-CL"/>
           </a:p>
         </c:txPr>
         <c:crossAx val="576318544"/>
@@ -7122,7 +7136,7 @@
                   <a:cs typeface="+mn-cs"/>
                 </a:defRPr>
               </a:pPr>
-              <a:endParaRPr lang="en-US"/>
+              <a:endParaRPr lang="es-CL"/>
             </a:p>
           </c:txPr>
         </c:title>
@@ -7160,7 +7174,7 @@
                     <a:cs typeface="+mn-cs"/>
                   </a:defRPr>
                 </a:pPr>
-                <a:endParaRPr lang="en-US"/>
+                <a:endParaRPr lang="es-CL"/>
               </a:p>
             </c:txPr>
           </c:dispUnitsLbl>
@@ -7201,7 +7215,7 @@
               <a:cs typeface="+mn-cs"/>
             </a:defRPr>
           </a:pPr>
-          <a:endParaRPr lang="en-US"/>
+          <a:endParaRPr lang="es-CL"/>
         </a:p>
       </c:txPr>
     </c:legend>
@@ -7230,7 +7244,7 @@
       <a:pPr>
         <a:defRPr/>
       </a:pPr>
-      <a:endParaRPr lang="en-US"/>
+      <a:endParaRPr lang="es-CL"/>
     </a:p>
   </c:txPr>
   <c:externalData r:id="rId3">
@@ -7258,7 +7272,7 @@
 <file path=ppt/charts/chart6.xml><?xml version="1.0" encoding="utf-8"?>
 <c:chartSpace xmlns:c="http://schemas.openxmlformats.org/drawingml/2006/chart" xmlns:a="http://schemas.openxmlformats.org/drawingml/2006/main" xmlns:r="http://schemas.openxmlformats.org/officeDocument/2006/relationships" xmlns:c16r2="http://schemas.microsoft.com/office/drawing/2015/06/chart">
   <c:date1904 val="0"/>
-  <c:lang val="en-US"/>
+  <c:lang val="es-ES"/>
   <c:roundedCorners val="0"/>
   <mc:AlternateContent xmlns:mc="http://schemas.openxmlformats.org/markup-compatibility/2006">
     <mc:Choice xmlns:c14="http://schemas.microsoft.com/office/drawing/2007/8/2/chart" Requires="c14">
@@ -7333,7 +7347,7 @@
               <a:cs typeface="+mn-cs"/>
             </a:defRPr>
           </a:pPr>
-          <a:endParaRPr lang="en-US"/>
+          <a:endParaRPr lang="es-CL"/>
         </a:p>
       </c:txPr>
     </c:title>
@@ -7381,7 +7395,7 @@
                   <a:cs typeface="+mn-cs"/>
                 </a:defRPr>
               </a:pPr>
-              <a:endParaRPr lang="en-US"/>
+              <a:endParaRPr lang="es-CL"/>
             </a:p>
           </c:txPr>
           <c:showLegendKey val="0"/>
@@ -7437,7 +7451,7 @@
                   <a:cs typeface="+mn-cs"/>
                 </a:defRPr>
               </a:pPr>
-              <a:endParaRPr lang="en-US"/>
+              <a:endParaRPr lang="es-CL"/>
             </a:p>
           </c:txPr>
           <c:showLegendKey val="0"/>
@@ -7493,7 +7507,7 @@
                   <a:cs typeface="+mn-cs"/>
                 </a:defRPr>
               </a:pPr>
-              <a:endParaRPr lang="en-US"/>
+              <a:endParaRPr lang="es-CL"/>
             </a:p>
           </c:txPr>
           <c:showLegendKey val="0"/>
@@ -7549,7 +7563,7 @@
                   <a:cs typeface="+mn-cs"/>
                 </a:defRPr>
               </a:pPr>
-              <a:endParaRPr lang="en-US"/>
+              <a:endParaRPr lang="es-CL"/>
             </a:p>
           </c:txPr>
           <c:showLegendKey val="0"/>
@@ -7605,7 +7619,7 @@
                   <a:cs typeface="+mn-cs"/>
                 </a:defRPr>
               </a:pPr>
-              <a:endParaRPr lang="en-US"/>
+              <a:endParaRPr lang="es-CL"/>
             </a:p>
           </c:txPr>
           <c:showLegendKey val="0"/>
@@ -7661,7 +7675,7 @@
                   <a:cs typeface="+mn-cs"/>
                 </a:defRPr>
               </a:pPr>
-              <a:endParaRPr lang="en-US"/>
+              <a:endParaRPr lang="es-CL"/>
             </a:p>
           </c:txPr>
           <c:showLegendKey val="0"/>
@@ -7717,7 +7731,7 @@
                   <a:cs typeface="+mn-cs"/>
                 </a:defRPr>
               </a:pPr>
-              <a:endParaRPr lang="en-US"/>
+              <a:endParaRPr lang="es-CL"/>
             </a:p>
           </c:txPr>
           <c:showLegendKey val="0"/>
@@ -7773,7 +7787,7 @@
                   <a:cs typeface="+mn-cs"/>
                 </a:defRPr>
               </a:pPr>
-              <a:endParaRPr lang="en-US"/>
+              <a:endParaRPr lang="es-CL"/>
             </a:p>
           </c:txPr>
           <c:showLegendKey val="0"/>
@@ -7829,7 +7843,7 @@
                   <a:cs typeface="+mn-cs"/>
                 </a:defRPr>
               </a:pPr>
-              <a:endParaRPr lang="en-US"/>
+              <a:endParaRPr lang="es-CL"/>
             </a:p>
           </c:txPr>
           <c:showLegendKey val="0"/>
@@ -8315,7 +8329,7 @@
                 <a:cs typeface="+mn-cs"/>
               </a:defRPr>
             </a:pPr>
-            <a:endParaRPr lang="en-US"/>
+            <a:endParaRPr lang="es-CL"/>
           </a:p>
         </c:txPr>
         <c:crossAx val="1990641696"/>
@@ -8374,7 +8388,7 @@
                 <a:cs typeface="+mn-cs"/>
               </a:defRPr>
             </a:pPr>
-            <a:endParaRPr lang="en-US"/>
+            <a:endParaRPr lang="es-CL"/>
           </a:p>
         </c:txPr>
         <c:crossAx val="916321376"/>
@@ -8416,7 +8430,7 @@
               <a:cs typeface="+mn-cs"/>
             </a:defRPr>
           </a:pPr>
-          <a:endParaRPr lang="en-US"/>
+          <a:endParaRPr lang="es-CL"/>
         </a:p>
       </c:txPr>
     </c:legend>
@@ -8445,7 +8459,7 @@
       <a:pPr>
         <a:defRPr sz="1200"/>
       </a:pPr>
-      <a:endParaRPr lang="en-US"/>
+      <a:endParaRPr lang="es-CL"/>
     </a:p>
   </c:txPr>
   <c:externalData r:id="rId3">
@@ -8473,7 +8487,7 @@
 <file path=ppt/charts/chart7.xml><?xml version="1.0" encoding="utf-8"?>
 <c:chartSpace xmlns:c="http://schemas.openxmlformats.org/drawingml/2006/chart" xmlns:a="http://schemas.openxmlformats.org/drawingml/2006/main" xmlns:r="http://schemas.openxmlformats.org/officeDocument/2006/relationships" xmlns:c16r2="http://schemas.microsoft.com/office/drawing/2015/06/chart">
   <c:date1904 val="0"/>
-  <c:lang val="en-US"/>
+  <c:lang val="es-ES"/>
   <c:roundedCorners val="0"/>
   <mc:AlternateContent xmlns:mc="http://schemas.openxmlformats.org/markup-compatibility/2006">
     <mc:Choice xmlns:c14="http://schemas.microsoft.com/office/drawing/2007/8/2/chart" Requires="c14">
@@ -8539,7 +8553,7 @@
               <a:cs typeface="+mn-cs"/>
             </a:defRPr>
           </a:pPr>
-          <a:endParaRPr lang="en-US"/>
+          <a:endParaRPr lang="es-CL"/>
         </a:p>
       </c:txPr>
     </c:title>
@@ -8587,7 +8601,7 @@
                   <a:cs typeface="+mn-cs"/>
                 </a:defRPr>
               </a:pPr>
-              <a:endParaRPr lang="en-US"/>
+              <a:endParaRPr lang="es-CL"/>
             </a:p>
           </c:txPr>
           <c:showLegendKey val="0"/>
@@ -8643,7 +8657,7 @@
                   <a:cs typeface="+mn-cs"/>
                 </a:defRPr>
               </a:pPr>
-              <a:endParaRPr lang="en-US"/>
+              <a:endParaRPr lang="es-CL"/>
             </a:p>
           </c:txPr>
           <c:showLegendKey val="0"/>
@@ -8699,7 +8713,7 @@
                   <a:cs typeface="+mn-cs"/>
                 </a:defRPr>
               </a:pPr>
-              <a:endParaRPr lang="en-US"/>
+              <a:endParaRPr lang="es-CL"/>
             </a:p>
           </c:txPr>
           <c:showLegendKey val="0"/>
@@ -8755,7 +8769,7 @@
                   <a:cs typeface="+mn-cs"/>
                 </a:defRPr>
               </a:pPr>
-              <a:endParaRPr lang="en-US"/>
+              <a:endParaRPr lang="es-CL"/>
             </a:p>
           </c:txPr>
           <c:showLegendKey val="0"/>
@@ -8811,7 +8825,7 @@
                   <a:cs typeface="+mn-cs"/>
                 </a:defRPr>
               </a:pPr>
-              <a:endParaRPr lang="en-US"/>
+              <a:endParaRPr lang="es-CL"/>
             </a:p>
           </c:txPr>
           <c:showLegendKey val="0"/>
@@ -8867,7 +8881,7 @@
                   <a:cs typeface="+mn-cs"/>
                 </a:defRPr>
               </a:pPr>
-              <a:endParaRPr lang="en-US"/>
+              <a:endParaRPr lang="es-CL"/>
             </a:p>
           </c:txPr>
           <c:showLegendKey val="0"/>
@@ -8979,7 +8993,7 @@
                     <a:cs typeface="+mn-cs"/>
                   </a:defRPr>
                 </a:pPr>
-                <a:endParaRPr lang="en-US"/>
+                <a:endParaRPr lang="es-CL"/>
               </a:p>
             </c:txPr>
             <c:showLegendKey val="0"/>
@@ -9169,7 +9183,7 @@
                 <a:cs typeface="+mn-cs"/>
               </a:defRPr>
             </a:pPr>
-            <a:endParaRPr lang="en-US"/>
+            <a:endParaRPr lang="es-CL"/>
           </a:p>
         </c:txPr>
         <c:crossAx val="926292528"/>
@@ -9228,7 +9242,7 @@
                 <a:cs typeface="+mn-cs"/>
               </a:defRPr>
             </a:pPr>
-            <a:endParaRPr lang="en-US"/>
+            <a:endParaRPr lang="es-CL"/>
           </a:p>
         </c:txPr>
         <c:crossAx val="1905516767"/>
@@ -9274,7 +9288,7 @@
               <a:cs typeface="+mn-cs"/>
             </a:defRPr>
           </a:pPr>
-          <a:endParaRPr lang="en-US"/>
+          <a:endParaRPr lang="es-CL"/>
         </a:p>
       </c:txPr>
     </c:legend>
@@ -9303,7 +9317,7 @@
       <a:pPr>
         <a:defRPr/>
       </a:pPr>
-      <a:endParaRPr lang="en-US"/>
+      <a:endParaRPr lang="es-CL"/>
     </a:p>
   </c:txPr>
   <c:externalData r:id="rId3">
@@ -9331,7 +9345,7 @@
 <file path=ppt/charts/chart8.xml><?xml version="1.0" encoding="utf-8"?>
 <c:chartSpace xmlns:c="http://schemas.openxmlformats.org/drawingml/2006/chart" xmlns:a="http://schemas.openxmlformats.org/drawingml/2006/main" xmlns:r="http://schemas.openxmlformats.org/officeDocument/2006/relationships" xmlns:c16r2="http://schemas.microsoft.com/office/drawing/2015/06/chart">
   <c:date1904 val="0"/>
-  <c:lang val="en-US"/>
+  <c:lang val="es-ES"/>
   <c:roundedCorners val="0"/>
   <mc:AlternateContent xmlns:mc="http://schemas.openxmlformats.org/markup-compatibility/2006">
     <mc:Choice xmlns:c14="http://schemas.microsoft.com/office/drawing/2007/8/2/chart" Requires="c14">
@@ -9393,7 +9407,7 @@
               <a:cs typeface="+mn-cs"/>
             </a:defRPr>
           </a:pPr>
-          <a:endParaRPr lang="en-US"/>
+          <a:endParaRPr lang="es-CL"/>
         </a:p>
       </c:txPr>
     </c:title>
@@ -9442,7 +9456,7 @@
                   <a:cs typeface="+mn-cs"/>
                 </a:defRPr>
               </a:pPr>
-              <a:endParaRPr lang="en-US"/>
+              <a:endParaRPr lang="es-CL"/>
             </a:p>
           </c:txPr>
           <c:showLegendKey val="0"/>
@@ -9499,7 +9513,7 @@
                   <a:cs typeface="+mn-cs"/>
                 </a:defRPr>
               </a:pPr>
-              <a:endParaRPr lang="en-US"/>
+              <a:endParaRPr lang="es-CL"/>
             </a:p>
           </c:txPr>
           <c:showLegendKey val="0"/>
@@ -9556,7 +9570,7 @@
                   <a:cs typeface="+mn-cs"/>
                 </a:defRPr>
               </a:pPr>
-              <a:endParaRPr lang="en-US"/>
+              <a:endParaRPr lang="es-CL"/>
             </a:p>
           </c:txPr>
           <c:showLegendKey val="0"/>
@@ -9613,7 +9627,7 @@
                   <a:cs typeface="+mn-cs"/>
                 </a:defRPr>
               </a:pPr>
-              <a:endParaRPr lang="en-US"/>
+              <a:endParaRPr lang="es-CL"/>
             </a:p>
           </c:txPr>
           <c:showLegendKey val="0"/>
@@ -9670,7 +9684,7 @@
                   <a:cs typeface="+mn-cs"/>
                 </a:defRPr>
               </a:pPr>
-              <a:endParaRPr lang="en-US"/>
+              <a:endParaRPr lang="es-CL"/>
             </a:p>
           </c:txPr>
           <c:showLegendKey val="0"/>
@@ -9727,7 +9741,7 @@
                   <a:cs typeface="+mn-cs"/>
                 </a:defRPr>
               </a:pPr>
-              <a:endParaRPr lang="en-US"/>
+              <a:endParaRPr lang="es-CL"/>
             </a:p>
           </c:txPr>
           <c:showLegendKey val="0"/>
@@ -9784,7 +9798,7 @@
                   <a:cs typeface="+mn-cs"/>
                 </a:defRPr>
               </a:pPr>
-              <a:endParaRPr lang="en-US"/>
+              <a:endParaRPr lang="es-CL"/>
             </a:p>
           </c:txPr>
           <c:showLegendKey val="0"/>
@@ -9841,7 +9855,7 @@
                   <a:cs typeface="+mn-cs"/>
                 </a:defRPr>
               </a:pPr>
-              <a:endParaRPr lang="en-US"/>
+              <a:endParaRPr lang="es-CL"/>
             </a:p>
           </c:txPr>
           <c:showLegendKey val="0"/>
@@ -9949,7 +9963,7 @@
                     <a:cs typeface="+mn-cs"/>
                   </a:defRPr>
                 </a:pPr>
-                <a:endParaRPr lang="en-US"/>
+                <a:endParaRPr lang="es-CL"/>
               </a:p>
             </c:txPr>
             <c:showLegendKey val="0"/>
@@ -10137,7 +10151,7 @@
                 <a:cs typeface="+mn-cs"/>
               </a:defRPr>
             </a:pPr>
-            <a:endParaRPr lang="en-US"/>
+            <a:endParaRPr lang="es-CL"/>
           </a:p>
         </c:txPr>
         <c:crossAx val="926292528"/>
@@ -10194,7 +10208,7 @@
                 <a:cs typeface="+mn-cs"/>
               </a:defRPr>
             </a:pPr>
-            <a:endParaRPr lang="en-US"/>
+            <a:endParaRPr lang="es-CL"/>
           </a:p>
         </c:txPr>
         <c:crossAx val="1905516767"/>
@@ -10238,7 +10252,7 @@
               <a:cs typeface="+mn-cs"/>
             </a:defRPr>
           </a:pPr>
-          <a:endParaRPr lang="en-US"/>
+          <a:endParaRPr lang="es-CL"/>
         </a:p>
       </c:txPr>
     </c:legend>
@@ -10275,7 +10289,7 @@
           <a:cs typeface="+mn-cs"/>
         </a:defRPr>
       </a:pPr>
-      <a:endParaRPr lang="en-US"/>
+      <a:endParaRPr lang="es-CL"/>
     </a:p>
   </c:txPr>
   <c:externalData r:id="rId3">
@@ -10303,7 +10317,7 @@
 <file path=ppt/charts/chart9.xml><?xml version="1.0" encoding="utf-8"?>
 <c:chartSpace xmlns:c="http://schemas.openxmlformats.org/drawingml/2006/chart" xmlns:a="http://schemas.openxmlformats.org/drawingml/2006/main" xmlns:r="http://schemas.openxmlformats.org/officeDocument/2006/relationships" xmlns:c16r2="http://schemas.microsoft.com/office/drawing/2015/06/chart">
   <c:date1904 val="0"/>
-  <c:lang val="en-US"/>
+  <c:lang val="es-ES"/>
   <c:roundedCorners val="0"/>
   <mc:AlternateContent xmlns:mc="http://schemas.openxmlformats.org/markup-compatibility/2006">
     <mc:Choice xmlns:c14="http://schemas.microsoft.com/office/drawing/2007/8/2/chart" Requires="c14">
@@ -10382,7 +10396,7 @@
               <a:cs typeface="+mn-cs"/>
             </a:defRPr>
           </a:pPr>
-          <a:endParaRPr lang="en-US"/>
+          <a:endParaRPr lang="es-CL"/>
         </a:p>
       </c:txPr>
     </c:title>
@@ -10430,7 +10444,7 @@
                   <a:cs typeface="+mn-cs"/>
                 </a:defRPr>
               </a:pPr>
-              <a:endParaRPr lang="en-US"/>
+              <a:endParaRPr lang="es-CL"/>
             </a:p>
           </c:txPr>
           <c:showLegendKey val="0"/>
@@ -10489,7 +10503,7 @@
                   <a:cs typeface="+mn-cs"/>
                 </a:defRPr>
               </a:pPr>
-              <a:endParaRPr lang="en-US"/>
+              <a:endParaRPr lang="es-CL"/>
             </a:p>
           </c:txPr>
           <c:showLegendKey val="0"/>
@@ -10545,7 +10559,7 @@
                   <a:cs typeface="+mn-cs"/>
                 </a:defRPr>
               </a:pPr>
-              <a:endParaRPr lang="en-US"/>
+              <a:endParaRPr lang="es-CL"/>
             </a:p>
           </c:txPr>
           <c:showLegendKey val="0"/>
@@ -10604,7 +10618,7 @@
                   <a:cs typeface="+mn-cs"/>
                 </a:defRPr>
               </a:pPr>
-              <a:endParaRPr lang="en-US"/>
+              <a:endParaRPr lang="es-CL"/>
             </a:p>
           </c:txPr>
           <c:showLegendKey val="0"/>
@@ -10660,7 +10674,7 @@
                   <a:cs typeface="+mn-cs"/>
                 </a:defRPr>
               </a:pPr>
-              <a:endParaRPr lang="en-US"/>
+              <a:endParaRPr lang="es-CL"/>
             </a:p>
           </c:txPr>
           <c:showLegendKey val="0"/>
@@ -10719,7 +10733,7 @@
                   <a:cs typeface="+mn-cs"/>
                 </a:defRPr>
               </a:pPr>
-              <a:endParaRPr lang="en-US"/>
+              <a:endParaRPr lang="es-CL"/>
             </a:p>
           </c:txPr>
           <c:showLegendKey val="0"/>
@@ -10791,7 +10805,7 @@
                     <a:cs typeface="+mn-cs"/>
                   </a:defRPr>
                 </a:pPr>
-                <a:endParaRPr lang="en-US"/>
+                <a:endParaRPr lang="es-CL"/>
               </a:p>
             </c:txPr>
             <c:showLegendKey val="0"/>
@@ -11000,7 +11014,7 @@
                 <a:cs typeface="+mn-cs"/>
               </a:defRPr>
             </a:pPr>
-            <a:endParaRPr lang="en-US"/>
+            <a:endParaRPr lang="es-CL"/>
           </a:p>
         </c:txPr>
         <c:crossAx val="930747280"/>
@@ -11059,7 +11073,7 @@
                 <a:cs typeface="+mn-cs"/>
               </a:defRPr>
             </a:pPr>
-            <a:endParaRPr lang="en-US"/>
+            <a:endParaRPr lang="es-CL"/>
           </a:p>
         </c:txPr>
         <c:crossAx val="817812768"/>
@@ -11101,7 +11115,7 @@
                 <a:cs typeface="+mn-cs"/>
               </a:defRPr>
             </a:pPr>
-            <a:endParaRPr lang="en-US"/>
+            <a:endParaRPr lang="es-CL"/>
           </a:p>
         </c:txPr>
         <c:crossAx val="817809888"/>
@@ -11161,7 +11175,7 @@
               <a:cs typeface="+mn-cs"/>
             </a:defRPr>
           </a:pPr>
-          <a:endParaRPr lang="en-US"/>
+          <a:endParaRPr lang="es-CL"/>
         </a:p>
       </c:txPr>
     </c:legend>
@@ -11190,7 +11204,7 @@
       <a:pPr>
         <a:defRPr/>
       </a:pPr>
-      <a:endParaRPr lang="en-US"/>
+      <a:endParaRPr lang="es-CL"/>
     </a:p>
   </c:txPr>
   <c:externalData r:id="rId3">
@@ -17294,7 +17308,7 @@
           <a:p>
             <a:fld id="{7566C6C6-A18D-45F1-81DD-A209A3D18584}" type="datetimeFigureOut">
               <a:rPr lang="es-CL" smtClean="0"/>
-              <a:t>06-12-2023</a:t>
+              <a:t>21-12-2023</a:t>
             </a:fld>
             <a:endParaRPr lang="es-CL"/>
           </a:p>
@@ -17453,7 +17467,7 @@
           <a:p>
             <a:fld id="{0469584B-50B3-446D-9445-B6E426F0339D}" type="slidenum">
               <a:rPr lang="es-CL" smtClean="0"/>
-              <a:t>‹#›</a:t>
+              <a:t>‹Nº›</a:t>
             </a:fld>
             <a:endParaRPr lang="es-CL"/>
           </a:p>
@@ -17711,7 +17725,7 @@
           <a:p>
             <a:fld id="{29BF1BEA-CDC5-4277-A2CE-4643862C85F6}" type="datetimeFigureOut">
               <a:rPr lang="es-CL" smtClean="0"/>
-              <a:t>06-12-2023</a:t>
+              <a:t>21-12-2023</a:t>
             </a:fld>
             <a:endParaRPr lang="es-CL"/>
           </a:p>
@@ -17765,7 +17779,7 @@
           <a:p>
             <a:fld id="{F87365BB-3CB3-41ED-8D8A-EE360CC347E6}" type="slidenum">
               <a:rPr lang="es-CL" smtClean="0"/>
-              <a:t>‹#›</a:t>
+              <a:t>‹Nº›</a:t>
             </a:fld>
             <a:endParaRPr lang="es-CL"/>
           </a:p>
@@ -17911,7 +17925,7 @@
           <a:p>
             <a:fld id="{29BF1BEA-CDC5-4277-A2CE-4643862C85F6}" type="datetimeFigureOut">
               <a:rPr lang="es-CL" smtClean="0"/>
-              <a:t>06-12-2023</a:t>
+              <a:t>21-12-2023</a:t>
             </a:fld>
             <a:endParaRPr lang="es-CL"/>
           </a:p>
@@ -17965,7 +17979,7 @@
           <a:p>
             <a:fld id="{F87365BB-3CB3-41ED-8D8A-EE360CC347E6}" type="slidenum">
               <a:rPr lang="es-CL" smtClean="0"/>
-              <a:t>‹#›</a:t>
+              <a:t>‹Nº›</a:t>
             </a:fld>
             <a:endParaRPr lang="es-CL"/>
           </a:p>
@@ -18121,7 +18135,7 @@
           <a:p>
             <a:fld id="{29BF1BEA-CDC5-4277-A2CE-4643862C85F6}" type="datetimeFigureOut">
               <a:rPr lang="es-CL" smtClean="0"/>
-              <a:t>06-12-2023</a:t>
+              <a:t>21-12-2023</a:t>
             </a:fld>
             <a:endParaRPr lang="es-CL"/>
           </a:p>
@@ -18175,7 +18189,7 @@
           <a:p>
             <a:fld id="{F87365BB-3CB3-41ED-8D8A-EE360CC347E6}" type="slidenum">
               <a:rPr lang="es-CL" smtClean="0"/>
-              <a:t>‹#›</a:t>
+              <a:t>‹Nº›</a:t>
             </a:fld>
             <a:endParaRPr lang="es-CL"/>
           </a:p>
@@ -18321,7 +18335,7 @@
           <a:p>
             <a:fld id="{29BF1BEA-CDC5-4277-A2CE-4643862C85F6}" type="datetimeFigureOut">
               <a:rPr lang="es-CL" smtClean="0"/>
-              <a:t>06-12-2023</a:t>
+              <a:t>21-12-2023</a:t>
             </a:fld>
             <a:endParaRPr lang="es-CL"/>
           </a:p>
@@ -18375,7 +18389,7 @@
           <a:p>
             <a:fld id="{F87365BB-3CB3-41ED-8D8A-EE360CC347E6}" type="slidenum">
               <a:rPr lang="es-CL" smtClean="0"/>
-              <a:t>‹#›</a:t>
+              <a:t>‹Nº›</a:t>
             </a:fld>
             <a:endParaRPr lang="es-CL"/>
           </a:p>
@@ -18597,7 +18611,7 @@
           <a:p>
             <a:fld id="{29BF1BEA-CDC5-4277-A2CE-4643862C85F6}" type="datetimeFigureOut">
               <a:rPr lang="es-CL" smtClean="0"/>
-              <a:t>06-12-2023</a:t>
+              <a:t>21-12-2023</a:t>
             </a:fld>
             <a:endParaRPr lang="es-CL"/>
           </a:p>
@@ -18651,7 +18665,7 @@
           <a:p>
             <a:fld id="{F87365BB-3CB3-41ED-8D8A-EE360CC347E6}" type="slidenum">
               <a:rPr lang="es-CL" smtClean="0"/>
-              <a:t>‹#›</a:t>
+              <a:t>‹Nº›</a:t>
             </a:fld>
             <a:endParaRPr lang="es-CL"/>
           </a:p>
@@ -18865,7 +18879,7 @@
           <a:p>
             <a:fld id="{29BF1BEA-CDC5-4277-A2CE-4643862C85F6}" type="datetimeFigureOut">
               <a:rPr lang="es-CL" smtClean="0"/>
-              <a:t>06-12-2023</a:t>
+              <a:t>21-12-2023</a:t>
             </a:fld>
             <a:endParaRPr lang="es-CL"/>
           </a:p>
@@ -18919,7 +18933,7 @@
           <a:p>
             <a:fld id="{F87365BB-3CB3-41ED-8D8A-EE360CC347E6}" type="slidenum">
               <a:rPr lang="es-CL" smtClean="0"/>
-              <a:t>‹#›</a:t>
+              <a:t>‹Nº›</a:t>
             </a:fld>
             <a:endParaRPr lang="es-CL"/>
           </a:p>
@@ -19280,7 +19294,7 @@
           <a:p>
             <a:fld id="{29BF1BEA-CDC5-4277-A2CE-4643862C85F6}" type="datetimeFigureOut">
               <a:rPr lang="es-CL" smtClean="0"/>
-              <a:t>06-12-2023</a:t>
+              <a:t>21-12-2023</a:t>
             </a:fld>
             <a:endParaRPr lang="es-CL"/>
           </a:p>
@@ -19334,7 +19348,7 @@
           <a:p>
             <a:fld id="{F87365BB-3CB3-41ED-8D8A-EE360CC347E6}" type="slidenum">
               <a:rPr lang="es-CL" smtClean="0"/>
-              <a:t>‹#›</a:t>
+              <a:t>‹Nº›</a:t>
             </a:fld>
             <a:endParaRPr lang="es-CL"/>
           </a:p>
@@ -19422,7 +19436,7 @@
           <a:p>
             <a:fld id="{29BF1BEA-CDC5-4277-A2CE-4643862C85F6}" type="datetimeFigureOut">
               <a:rPr lang="es-CL" smtClean="0"/>
-              <a:t>06-12-2023</a:t>
+              <a:t>21-12-2023</a:t>
             </a:fld>
             <a:endParaRPr lang="es-CL"/>
           </a:p>
@@ -19476,7 +19490,7 @@
           <a:p>
             <a:fld id="{F87365BB-3CB3-41ED-8D8A-EE360CC347E6}" type="slidenum">
               <a:rPr lang="es-CL" smtClean="0"/>
-              <a:t>‹#›</a:t>
+              <a:t>‹Nº›</a:t>
             </a:fld>
             <a:endParaRPr lang="es-CL"/>
           </a:p>
@@ -19535,7 +19549,7 @@
           <a:p>
             <a:fld id="{29BF1BEA-CDC5-4277-A2CE-4643862C85F6}" type="datetimeFigureOut">
               <a:rPr lang="es-CL" smtClean="0"/>
-              <a:t>06-12-2023</a:t>
+              <a:t>21-12-2023</a:t>
             </a:fld>
             <a:endParaRPr lang="es-CL"/>
           </a:p>
@@ -19589,7 +19603,7 @@
           <a:p>
             <a:fld id="{F87365BB-3CB3-41ED-8D8A-EE360CC347E6}" type="slidenum">
               <a:rPr lang="es-CL" smtClean="0"/>
-              <a:t>‹#›</a:t>
+              <a:t>‹Nº›</a:t>
             </a:fld>
             <a:endParaRPr lang="es-CL"/>
           </a:p>
@@ -19848,7 +19862,7 @@
           <a:p>
             <a:fld id="{29BF1BEA-CDC5-4277-A2CE-4643862C85F6}" type="datetimeFigureOut">
               <a:rPr lang="es-CL" smtClean="0"/>
-              <a:t>06-12-2023</a:t>
+              <a:t>21-12-2023</a:t>
             </a:fld>
             <a:endParaRPr lang="es-CL"/>
           </a:p>
@@ -19902,7 +19916,7 @@
           <a:p>
             <a:fld id="{F87365BB-3CB3-41ED-8D8A-EE360CC347E6}" type="slidenum">
               <a:rPr lang="es-CL" smtClean="0"/>
-              <a:t>‹#›</a:t>
+              <a:t>‹Nº›</a:t>
             </a:fld>
             <a:endParaRPr lang="es-CL"/>
           </a:p>
@@ -20137,7 +20151,7 @@
           <a:p>
             <a:fld id="{29BF1BEA-CDC5-4277-A2CE-4643862C85F6}" type="datetimeFigureOut">
               <a:rPr lang="es-CL" smtClean="0"/>
-              <a:t>06-12-2023</a:t>
+              <a:t>21-12-2023</a:t>
             </a:fld>
             <a:endParaRPr lang="es-CL"/>
           </a:p>
@@ -20191,7 +20205,7 @@
           <a:p>
             <a:fld id="{F87365BB-3CB3-41ED-8D8A-EE360CC347E6}" type="slidenum">
               <a:rPr lang="es-CL" smtClean="0"/>
-              <a:t>‹#›</a:t>
+              <a:t>‹Nº›</a:t>
             </a:fld>
             <a:endParaRPr lang="es-CL"/>
           </a:p>
@@ -20380,7 +20394,7 @@
           <a:p>
             <a:fld id="{29BF1BEA-CDC5-4277-A2CE-4643862C85F6}" type="datetimeFigureOut">
               <a:rPr lang="es-CL" smtClean="0"/>
-              <a:t>06-12-2023</a:t>
+              <a:t>21-12-2023</a:t>
             </a:fld>
             <a:endParaRPr lang="es-CL"/>
           </a:p>
@@ -20470,7 +20484,7 @@
           <a:p>
             <a:fld id="{F87365BB-3CB3-41ED-8D8A-EE360CC347E6}" type="slidenum">
               <a:rPr lang="es-CL" smtClean="0"/>
-              <a:t>‹#›</a:t>
+              <a:t>‹Nº›</a:t>
             </a:fld>
             <a:endParaRPr lang="es-CL"/>
           </a:p>
@@ -22200,7 +22214,7 @@
         </p:spPr>
         <p:txBody>
           <a:bodyPr vert="horz" lIns="91440" tIns="45720" rIns="91440" bIns="45720" rtlCol="0" anchor="t">
-            <a:normAutofit/>
+            <a:normAutofit fontScale="62500" lnSpcReduction="20000"/>
           </a:bodyPr>
           <a:lstStyle/>
           <a:p>
@@ -22208,10 +22222,10 @@
               <a:buNone/>
             </a:pPr>
             <a:r>
-              <a:rPr lang="es-CL" sz="3200" b="1"/>
+              <a:rPr lang="es-CL" sz="3200" b="1" dirty="0"/>
               <a:t>¿Qué entendemos como proveedor local para este análisis?</a:t>
             </a:r>
-            <a:endParaRPr lang="es-ES">
+            <a:endParaRPr lang="es-ES" dirty="0">
               <a:ea typeface="Calibri" panose="020F0502020204030204"/>
               <a:cs typeface="Calibri" panose="020F0502020204030204"/>
             </a:endParaRPr>
@@ -22220,16 +22234,57 @@
             <a:pPr marL="0" indent="0">
               <a:buNone/>
             </a:pPr>
-            <a:endParaRPr lang="es-CL" b="1"/>
+            <a:endParaRPr lang="es-CL" b="1" dirty="0"/>
           </a:p>
           <a:p>
             <a:pPr marL="0" indent="0" algn="ctr">
               <a:buNone/>
             </a:pPr>
             <a:r>
-              <a:rPr lang="es-CL"/>
+              <a:rPr lang="es-CL" dirty="0"/>
               <a:t>Un proveedor que transa con una unidad compradora en su misma región, en base a lo declarado ante el SII.</a:t>
             </a:r>
+          </a:p>
+          <a:p>
+            <a:pPr marL="0" indent="0" algn="ctr">
+              <a:buNone/>
+            </a:pPr>
+            <a:endParaRPr lang="es-CL" dirty="0"/>
+          </a:p>
+          <a:p>
+            <a:pPr marL="0" indent="0" algn="ctr">
+              <a:buNone/>
+            </a:pPr>
+            <a:r>
+              <a:rPr lang="es-ES" sz="2600" dirty="0">
+                <a:solidFill>
+                  <a:srgbClr val="FF0000"/>
+                </a:solidFill>
+                <a:effectLst/>
+                <a:highlight>
+                  <a:srgbClr val="FFFF00"/>
+                </a:highlight>
+                <a:latin typeface="Courier New" panose="02070309020205020404" pitchFamily="49" charset="0"/>
+                <a:ea typeface="Times New Roman" panose="02020603050405020304" pitchFamily="18" charset="0"/>
+                <a:cs typeface="Times New Roman" panose="02020603050405020304" pitchFamily="18" charset="0"/>
+              </a:rPr>
+              <a:t>Serán proveedores locales aquellas empresas de menor tamaño cuyo domicilio principal se encuentre en la misma región donde se entregan los bienes o se prestan los servicios y que cumplan con los demás requisitos y condiciones que establezca el reglamento.</a:t>
+            </a:r>
+            <a:endParaRPr lang="es-CL" sz="2600" dirty="0">
+              <a:solidFill>
+                <a:srgbClr val="FF0000"/>
+              </a:solidFill>
+              <a:effectLst/>
+              <a:latin typeface="Courier"/>
+              <a:ea typeface="Times New Roman" panose="02020603050405020304" pitchFamily="18" charset="0"/>
+              <a:cs typeface="Times New Roman" panose="02020603050405020304" pitchFamily="18" charset="0"/>
+            </a:endParaRPr>
+          </a:p>
+          <a:p>
+            <a:pPr marL="0" indent="0" algn="ctr">
+              <a:buNone/>
+            </a:pPr>
+            <a:endParaRPr lang="es-CL" dirty="0"/>
           </a:p>
         </p:txBody>
       </p:sp>
